--- a/Architecture final.pptx
+++ b/Architecture final.pptx
@@ -9,11 +9,13 @@
     <p:sldId id="261" r:id="rId6"/>
     <p:sldId id="262" r:id="rId7"/>
     <p:sldId id="266" r:id="rId8"/>
-    <p:sldId id="267" r:id="rId9"/>
-    <p:sldId id="269" r:id="rId10"/>
-    <p:sldId id="264" r:id="rId11"/>
-    <p:sldId id="265" r:id="rId12"/>
-    <p:sldId id="260" r:id="rId13"/>
+    <p:sldId id="270" r:id="rId9"/>
+    <p:sldId id="271" r:id="rId10"/>
+    <p:sldId id="267" r:id="rId11"/>
+    <p:sldId id="269" r:id="rId12"/>
+    <p:sldId id="264" r:id="rId13"/>
+    <p:sldId id="265" r:id="rId14"/>
+    <p:sldId id="260" r:id="rId15"/>
   </p:sldIdLst>
   <p:sldSz cx="12192000" cy="6858000"/>
   <p:notesSz cx="6858000" cy="9144000"/>
@@ -3909,7 +3911,7 @@
                 <a16:creationId xmlns:a16="http://schemas.microsoft.com/office/drawing/2014/main" id="{493D4EDA-58E0-40CC-B3CA-14CDEB349D24}"/>
               </a:ext>
               <a:ext uri="{C183D7F6-B498-43B3-948B-1728B52AA6E4}">
-                <adec:decorative xmlns:adec="http://schemas.microsoft.com/office/drawing/2017/decorative" xmlns="" val="1"/>
+                <adec:decorative xmlns="" xmlns:adec="http://schemas.microsoft.com/office/drawing/2017/decorative" val="1"/>
               </a:ext>
             </a:extLst>
           </p:cNvPr>
@@ -4004,7 +4006,7 @@
                 <a16:creationId xmlns:a16="http://schemas.microsoft.com/office/drawing/2014/main" id="{AA9EB0BC-A85E-4C26-B355-5DFCEF6CCB49}"/>
               </a:ext>
               <a:ext uri="{C183D7F6-B498-43B3-948B-1728B52AA6E4}">
-                <adec:decorative xmlns:adec="http://schemas.microsoft.com/office/drawing/2017/decorative" xmlns="" val="1"/>
+                <adec:decorative xmlns="" xmlns:adec="http://schemas.microsoft.com/office/drawing/2017/decorative" val="1"/>
               </a:ext>
             </a:extLst>
           </p:cNvPr>
@@ -4035,7 +4037,7 @@
                   <a16:creationId xmlns:a16="http://schemas.microsoft.com/office/drawing/2014/main" id="{3643E56B-BD42-413D-B17D-7958270F5DE4}"/>
                 </a:ext>
                 <a:ext uri="{C183D7F6-B498-43B3-948B-1728B52AA6E4}">
-                  <adec:decorative xmlns:adec="http://schemas.microsoft.com/office/drawing/2017/decorative" xmlns="" val="1"/>
+                  <adec:decorative xmlns="" xmlns:adec="http://schemas.microsoft.com/office/drawing/2017/decorative" val="1"/>
                 </a:ext>
               </a:extLst>
             </p:cNvPr>
@@ -4087,7 +4089,7 @@
                   <a16:creationId xmlns:a16="http://schemas.microsoft.com/office/drawing/2014/main" id="{96C04F74-9467-4FA5-95DC-8D481A29740E}"/>
                 </a:ext>
                 <a:ext uri="{C183D7F6-B498-43B3-948B-1728B52AA6E4}">
-                  <adec:decorative xmlns:adec="http://schemas.microsoft.com/office/drawing/2017/decorative" xmlns="" val="1"/>
+                  <adec:decorative xmlns="" xmlns:adec="http://schemas.microsoft.com/office/drawing/2017/decorative" val="1"/>
                 </a:ext>
               </a:extLst>
             </p:cNvPr>
@@ -4139,7 +4141,7 @@
                   <a16:creationId xmlns:a16="http://schemas.microsoft.com/office/drawing/2014/main" id="{D73DE1C3-5C37-42E9-A3F0-256F1938327C}"/>
                 </a:ext>
                 <a:ext uri="{C183D7F6-B498-43B3-948B-1728B52AA6E4}">
-                  <adec:decorative xmlns:adec="http://schemas.microsoft.com/office/drawing/2017/decorative" xmlns="" val="1"/>
+                  <adec:decorative xmlns="" xmlns:adec="http://schemas.microsoft.com/office/drawing/2017/decorative" val="1"/>
                 </a:ext>
               </a:extLst>
             </p:cNvPr>
@@ -4192,7 +4194,7 @@
                 <a16:creationId xmlns:a16="http://schemas.microsoft.com/office/drawing/2014/main" id="{4A2E7EC3-E07C-46CE-9B25-41865A50681C}"/>
               </a:ext>
               <a:ext uri="{C183D7F6-B498-43B3-948B-1728B52AA6E4}">
-                <adec:decorative xmlns:adec="http://schemas.microsoft.com/office/drawing/2017/decorative" xmlns="" val="1"/>
+                <adec:decorative xmlns="" xmlns:adec="http://schemas.microsoft.com/office/drawing/2017/decorative" val="1"/>
               </a:ext>
             </a:extLst>
           </p:cNvPr>
@@ -4356,6 +4358,608 @@
     <p:extLst>
       <p:ext uri="{BB962C8B-B14F-4D97-AF65-F5344CB8AC3E}">
         <p14:creationId xmlns:p14="http://schemas.microsoft.com/office/powerpoint/2010/main" val="1487700712"/>
+      </p:ext>
+    </p:extLst>
+  </p:cSld>
+  <p:clrMapOvr>
+    <a:masterClrMapping/>
+  </p:clrMapOvr>
+  <p:timing>
+    <p:tnLst>
+      <p:par>
+        <p:cTn id="1" dur="indefinite" restart="never" nodeType="tmRoot"/>
+      </p:par>
+    </p:tnLst>
+  </p:timing>
+</p:sld>
+</file>
+
+<file path=ppt/slides/slide10.xml><?xml version="1.0" encoding="utf-8"?>
+<p:sld xmlns:a="http://schemas.openxmlformats.org/drawingml/2006/main" xmlns:r="http://schemas.openxmlformats.org/officeDocument/2006/relationships" xmlns:p="http://schemas.openxmlformats.org/presentationml/2006/main">
+  <p:cSld>
+    <p:spTree>
+      <p:nvGrpSpPr>
+        <p:cNvPr id="1" name=""/>
+        <p:cNvGrpSpPr/>
+        <p:nvPr/>
+      </p:nvGrpSpPr>
+      <p:grpSpPr>
+        <a:xfrm>
+          <a:off x="0" y="0"/>
+          <a:ext cx="0" cy="0"/>
+          <a:chOff x="0" y="0"/>
+          <a:chExt cx="0" cy="0"/>
+        </a:xfrm>
+      </p:grpSpPr>
+      <p:sp>
+        <p:nvSpPr>
+          <p:cNvPr id="2" name="Title 1"/>
+          <p:cNvSpPr>
+            <a:spLocks noGrp="1"/>
+          </p:cNvSpPr>
+          <p:nvPr>
+            <p:ph type="title"/>
+          </p:nvPr>
+        </p:nvSpPr>
+        <p:spPr/>
+        <p:txBody>
+          <a:bodyPr/>
+          <a:lstStyle/>
+          <a:p>
+            <a:r>
+              <a:rPr lang="en-US" dirty="0" smtClean="0"/>
+              <a:t>Final thoughts</a:t>
+            </a:r>
+            <a:endParaRPr lang="en-US" dirty="0"/>
+          </a:p>
+        </p:txBody>
+      </p:sp>
+      <p:sp>
+        <p:nvSpPr>
+          <p:cNvPr id="3" name="Content Placeholder 2"/>
+          <p:cNvSpPr>
+            <a:spLocks noGrp="1"/>
+          </p:cNvSpPr>
+          <p:nvPr>
+            <p:ph sz="half" idx="1"/>
+          </p:nvPr>
+        </p:nvSpPr>
+        <p:spPr/>
+        <p:txBody>
+          <a:bodyPr/>
+          <a:lstStyle/>
+          <a:p>
+            <a:r>
+              <a:rPr lang="en-US" dirty="0" smtClean="0"/>
+              <a:t>Difficulty can be hard to gauge</a:t>
+            </a:r>
+          </a:p>
+          <a:p>
+            <a:r>
+              <a:rPr lang="en-US" dirty="0" smtClean="0"/>
+              <a:t>Design changes over time</a:t>
+            </a:r>
+          </a:p>
+          <a:p>
+            <a:r>
+              <a:rPr lang="en-US" dirty="0" smtClean="0"/>
+              <a:t>This project has been about the journey, not necessarily the destination</a:t>
+            </a:r>
+            <a:endParaRPr lang="en-US" dirty="0"/>
+          </a:p>
+        </p:txBody>
+      </p:sp>
+      <p:sp>
+        <p:nvSpPr>
+          <p:cNvPr id="4" name="Content Placeholder 3"/>
+          <p:cNvSpPr>
+            <a:spLocks noGrp="1"/>
+          </p:cNvSpPr>
+          <p:nvPr>
+            <p:ph sz="half" idx="2"/>
+          </p:nvPr>
+        </p:nvSpPr>
+        <p:spPr/>
+        <p:txBody>
+          <a:bodyPr/>
+          <a:lstStyle/>
+          <a:p>
+            <a:r>
+              <a:rPr lang="en-US" dirty="0"/>
+              <a:t>Pair programming is amazing</a:t>
+            </a:r>
+          </a:p>
+          <a:p>
+            <a:r>
+              <a:rPr lang="en-US" dirty="0" smtClean="0"/>
+              <a:t>Creating a working microprocessor is difficult</a:t>
+            </a:r>
+          </a:p>
+          <a:p>
+            <a:r>
+              <a:rPr lang="en-US" dirty="0" smtClean="0"/>
+              <a:t>It pays to seriously think about one’s compiler</a:t>
+            </a:r>
+            <a:endParaRPr lang="en-US" dirty="0"/>
+          </a:p>
+        </p:txBody>
+      </p:sp>
+    </p:spTree>
+    <p:extLst>
+      <p:ext uri="{BB962C8B-B14F-4D97-AF65-F5344CB8AC3E}">
+        <p14:creationId xmlns:p14="http://schemas.microsoft.com/office/powerpoint/2010/main" val="114640286"/>
+      </p:ext>
+    </p:extLst>
+  </p:cSld>
+  <p:clrMapOvr>
+    <a:masterClrMapping/>
+  </p:clrMapOvr>
+  <p:timing>
+    <p:tnLst>
+      <p:par>
+        <p:cTn id="1" dur="indefinite" restart="never" nodeType="tmRoot"/>
+      </p:par>
+    </p:tnLst>
+  </p:timing>
+</p:sld>
+</file>
+
+<file path=ppt/slides/slide11.xml><?xml version="1.0" encoding="utf-8"?>
+<p:sld xmlns:a="http://schemas.openxmlformats.org/drawingml/2006/main" xmlns:r="http://schemas.openxmlformats.org/officeDocument/2006/relationships" xmlns:p="http://schemas.openxmlformats.org/presentationml/2006/main">
+  <p:cSld>
+    <p:bg>
+      <p:bgPr>
+        <a:solidFill>
+          <a:schemeClr val="bg1"/>
+        </a:solidFill>
+        <a:effectLst/>
+      </p:bgPr>
+    </p:bg>
+    <p:spTree>
+      <p:nvGrpSpPr>
+        <p:cNvPr id="1" name=""/>
+        <p:cNvGrpSpPr/>
+        <p:nvPr/>
+      </p:nvGrpSpPr>
+      <p:grpSpPr>
+        <a:xfrm>
+          <a:off x="0" y="0"/>
+          <a:ext cx="0" cy="0"/>
+          <a:chOff x="0" y="0"/>
+          <a:chExt cx="0" cy="0"/>
+        </a:xfrm>
+      </p:grpSpPr>
+      <p:sp useBgFill="1">
+        <p:nvSpPr>
+          <p:cNvPr id="10" name="Rectangle 9">
+            <a:extLst>
+              <a:ext uri="{FF2B5EF4-FFF2-40B4-BE49-F238E27FC236}">
+                <a16:creationId xmlns:a16="http://schemas.microsoft.com/office/drawing/2014/main" id="{379F11E2-8BA5-4C5C-AE7C-361E5EA011FF}"/>
+              </a:ext>
+              <a:ext uri="{C183D7F6-B498-43B3-948B-1728B52AA6E4}">
+                <adec:decorative xmlns="" xmlns:adec="http://schemas.microsoft.com/office/drawing/2017/decorative" val="1"/>
+              </a:ext>
+            </a:extLst>
+          </p:cNvPr>
+          <p:cNvSpPr>
+            <a:spLocks noGrp="1" noRot="1" noChangeAspect="1" noMove="1" noResize="1" noEditPoints="1" noAdjustHandles="1" noChangeArrowheads="1" noChangeShapeType="1" noTextEdit="1"/>
+          </p:cNvSpPr>
+          <p:nvPr>
+            <p:extLst>
+              <p:ext uri="{386F3935-93C4-4BCD-93E2-E3B085C9AB24}">
+                <p16:designElem xmlns:p16="http://schemas.microsoft.com/office/powerpoint/2015/main" val="1"/>
+              </p:ext>
+            </p:extLst>
+          </p:nvPr>
+        </p:nvSpPr>
+        <p:spPr>
+          <a:xfrm>
+            <a:off x="0" y="1"/>
+            <a:ext cx="12191999" cy="6858000"/>
+          </a:xfrm>
+          <a:prstGeom prst="rect">
+            <a:avLst/>
+          </a:prstGeom>
+          <a:ln>
+            <a:noFill/>
+          </a:ln>
+        </p:spPr>
+        <p:style>
+          <a:lnRef idx="2">
+            <a:schemeClr val="accent1">
+              <a:shade val="50000"/>
+            </a:schemeClr>
+          </a:lnRef>
+          <a:fillRef idx="1">
+            <a:schemeClr val="accent1"/>
+          </a:fillRef>
+          <a:effectRef idx="0">
+            <a:schemeClr val="accent1"/>
+          </a:effectRef>
+          <a:fontRef idx="minor">
+            <a:schemeClr val="lt1"/>
+          </a:fontRef>
+        </p:style>
+        <p:txBody>
+          <a:bodyPr rtlCol="0" anchor="ctr"/>
+          <a:lstStyle/>
+          <a:p>
+            <a:pPr algn="ctr"/>
+            <a:endParaRPr lang="en-US"/>
+          </a:p>
+        </p:txBody>
+      </p:sp>
+      <p:pic>
+        <p:nvPicPr>
+          <p:cNvPr id="5" name="Picture 4" descr="Digital Numbers">
+            <a:extLst>
+              <a:ext uri="{FF2B5EF4-FFF2-40B4-BE49-F238E27FC236}">
+                <a16:creationId xmlns:a16="http://schemas.microsoft.com/office/drawing/2014/main" id="{A21EA617-6D48-425F-97A8-7FEC82C8F401}"/>
+              </a:ext>
+            </a:extLst>
+          </p:cNvPr>
+          <p:cNvPicPr>
+            <a:picLocks noChangeAspect="1"/>
+          </p:cNvPicPr>
+          <p:nvPr/>
+        </p:nvPicPr>
+        <p:blipFill rotWithShape="1">
+          <a:blip r:embed="rId2" cstate="screen">
+            <a:extLst>
+              <a:ext uri="{28A0092B-C50C-407E-A947-70E740481C1C}">
+                <a14:useLocalDpi xmlns:a14="http://schemas.microsoft.com/office/drawing/2010/main"/>
+              </a:ext>
+            </a:extLst>
+          </a:blip>
+          <a:srcRect l="2189" r="9642" b="1"/>
+          <a:stretch/>
+        </p:blipFill>
+        <p:spPr>
+          <a:xfrm>
+            <a:off x="446534" y="723899"/>
+            <a:ext cx="7498616" cy="5676901"/>
+          </a:xfrm>
+          <a:prstGeom prst="rect">
+            <a:avLst/>
+          </a:prstGeom>
+        </p:spPr>
+      </p:pic>
+      <p:sp>
+        <p:nvSpPr>
+          <p:cNvPr id="12" name="Rectangle 11">
+            <a:extLst>
+              <a:ext uri="{FF2B5EF4-FFF2-40B4-BE49-F238E27FC236}">
+                <a16:creationId xmlns:a16="http://schemas.microsoft.com/office/drawing/2014/main" id="{7C00E1DA-EC7C-40FC-95E3-11FDCD2E4291}"/>
+              </a:ext>
+              <a:ext uri="{C183D7F6-B498-43B3-948B-1728B52AA6E4}">
+                <adec:decorative xmlns="" xmlns:adec="http://schemas.microsoft.com/office/drawing/2017/decorative" val="1"/>
+              </a:ext>
+            </a:extLst>
+          </p:cNvPr>
+          <p:cNvSpPr>
+            <a:spLocks noGrp="1" noRot="1" noChangeAspect="1" noMove="1" noResize="1" noEditPoints="1" noAdjustHandles="1" noChangeArrowheads="1" noChangeShapeType="1" noTextEdit="1"/>
+          </p:cNvSpPr>
+          <p:nvPr>
+            <p:extLst>
+              <p:ext uri="{386F3935-93C4-4BCD-93E2-E3B085C9AB24}">
+                <p16:designElem xmlns:p16="http://schemas.microsoft.com/office/powerpoint/2015/main" val="1"/>
+              </p:ext>
+            </p:extLst>
+          </p:nvPr>
+        </p:nvSpPr>
+        <p:spPr>
+          <a:xfrm>
+            <a:off x="8042147" y="723899"/>
+            <a:ext cx="3703320" cy="5666666"/>
+          </a:xfrm>
+          <a:prstGeom prst="rect">
+            <a:avLst/>
+          </a:prstGeom>
+          <a:solidFill>
+            <a:schemeClr val="accent1"/>
+          </a:solidFill>
+          <a:ln>
+            <a:noFill/>
+          </a:ln>
+          <a:effectLst/>
+        </p:spPr>
+        <p:style>
+          <a:lnRef idx="1">
+            <a:schemeClr val="accent1"/>
+          </a:lnRef>
+          <a:fillRef idx="3">
+            <a:schemeClr val="accent1"/>
+          </a:fillRef>
+          <a:effectRef idx="2">
+            <a:schemeClr val="accent1"/>
+          </a:effectRef>
+          <a:fontRef idx="minor">
+            <a:schemeClr val="lt1"/>
+          </a:fontRef>
+        </p:style>
+      </p:sp>
+      <p:sp>
+        <p:nvSpPr>
+          <p:cNvPr id="2" name="Title 1">
+            <a:extLst>
+              <a:ext uri="{FF2B5EF4-FFF2-40B4-BE49-F238E27FC236}">
+                <a16:creationId xmlns:a16="http://schemas.microsoft.com/office/drawing/2014/main" id="{0F87E73C-2B1A-4602-BFBE-CFE1E55D9B38}"/>
+              </a:ext>
+            </a:extLst>
+          </p:cNvPr>
+          <p:cNvSpPr>
+            <a:spLocks noGrp="1"/>
+          </p:cNvSpPr>
+          <p:nvPr>
+            <p:ph type="ctrTitle"/>
+          </p:nvPr>
+        </p:nvSpPr>
+        <p:spPr>
+          <a:xfrm>
+            <a:off x="8296275" y="1419226"/>
+            <a:ext cx="3081576" cy="1746762"/>
+          </a:xfrm>
+        </p:spPr>
+        <p:txBody>
+          <a:bodyPr>
+            <a:normAutofit/>
+          </a:bodyPr>
+          <a:lstStyle/>
+          <a:p>
+            <a:r>
+              <a:rPr lang="en-US" dirty="0">
+                <a:solidFill>
+                  <a:srgbClr val="FFFFFF"/>
+                </a:solidFill>
+              </a:rPr>
+              <a:t>Thank You</a:t>
+            </a:r>
+          </a:p>
+        </p:txBody>
+      </p:sp>
+      <p:sp>
+        <p:nvSpPr>
+          <p:cNvPr id="3" name="Subtitle 2">
+            <a:extLst>
+              <a:ext uri="{FF2B5EF4-FFF2-40B4-BE49-F238E27FC236}">
+                <a16:creationId xmlns:a16="http://schemas.microsoft.com/office/drawing/2014/main" id="{A9CB511D-EA45-4336-847C-1252667143B5}"/>
+              </a:ext>
+            </a:extLst>
+          </p:cNvPr>
+          <p:cNvSpPr>
+            <a:spLocks noGrp="1"/>
+          </p:cNvSpPr>
+          <p:nvPr>
+            <p:ph type="subTitle" idx="1"/>
+          </p:nvPr>
+        </p:nvSpPr>
+        <p:spPr>
+          <a:xfrm>
+            <a:off x="8296275" y="3505095"/>
+            <a:ext cx="3081576" cy="2629006"/>
+          </a:xfrm>
+        </p:spPr>
+        <p:txBody>
+          <a:bodyPr>
+            <a:normAutofit/>
+          </a:bodyPr>
+          <a:lstStyle/>
+          <a:p>
+            <a:r>
+              <a:rPr lang="en-US" dirty="0" smtClean="0">
+                <a:solidFill>
+                  <a:schemeClr val="bg2"/>
+                </a:solidFill>
+              </a:rPr>
+              <a:t>&lt;chinchilla here&gt;</a:t>
+            </a:r>
+            <a:endParaRPr lang="en-US" dirty="0">
+              <a:solidFill>
+                <a:schemeClr val="bg2"/>
+              </a:solidFill>
+            </a:endParaRPr>
+          </a:p>
+          <a:p>
+            <a:endParaRPr lang="en-US" dirty="0">
+              <a:solidFill>
+                <a:schemeClr val="bg2"/>
+              </a:solidFill>
+            </a:endParaRPr>
+          </a:p>
+        </p:txBody>
+      </p:sp>
+      <p:grpSp>
+        <p:nvGrpSpPr>
+          <p:cNvPr id="14" name="Group 13">
+            <a:extLst>
+              <a:ext uri="{FF2B5EF4-FFF2-40B4-BE49-F238E27FC236}">
+                <a16:creationId xmlns:a16="http://schemas.microsoft.com/office/drawing/2014/main" id="{9A421166-2996-41A7-B094-AE5316F347DD}"/>
+              </a:ext>
+              <a:ext uri="{C183D7F6-B498-43B3-948B-1728B52AA6E4}">
+                <adec:decorative xmlns="" xmlns:adec="http://schemas.microsoft.com/office/drawing/2017/decorative" val="1"/>
+              </a:ext>
+            </a:extLst>
+          </p:cNvPr>
+          <p:cNvGrpSpPr>
+            <a:grpSpLocks noGrp="1" noUngrp="1" noRot="1" noChangeAspect="1" noMove="1" noResize="1"/>
+          </p:cNvGrpSpPr>
+          <p:nvPr>
+            <p:extLst>
+              <p:ext uri="{386F3935-93C4-4BCD-93E2-E3B085C9AB24}">
+                <p16:designElem xmlns:p16="http://schemas.microsoft.com/office/powerpoint/2015/main" val="1"/>
+              </p:ext>
+            </p:extLst>
+          </p:nvPr>
+        </p:nvGrpSpPr>
+        <p:grpSpPr>
+          <a:xfrm>
+            <a:off x="446534" y="453643"/>
+            <a:ext cx="11298933" cy="98554"/>
+            <a:chOff x="446534" y="453643"/>
+            <a:chExt cx="11298933" cy="98554"/>
+          </a:xfrm>
+        </p:grpSpPr>
+        <p:sp>
+          <p:nvSpPr>
+            <p:cNvPr id="15" name="Rectangle 14">
+              <a:extLst>
+                <a:ext uri="{FF2B5EF4-FFF2-40B4-BE49-F238E27FC236}">
+                  <a16:creationId xmlns:a16="http://schemas.microsoft.com/office/drawing/2014/main" id="{FDBB1B92-A3EB-43E4-8FAB-D20E8ED14CEF}"/>
+                </a:ext>
+                <a:ext uri="{C183D7F6-B498-43B3-948B-1728B52AA6E4}">
+                  <adec:decorative xmlns="" xmlns:adec="http://schemas.microsoft.com/office/drawing/2017/decorative" val="1"/>
+                </a:ext>
+              </a:extLst>
+            </p:cNvPr>
+            <p:cNvSpPr/>
+            <p:nvPr>
+              <p:extLst>
+                <p:ext uri="{386F3935-93C4-4BCD-93E2-E3B085C9AB24}">
+                  <p16:designElem xmlns:p16="http://schemas.microsoft.com/office/powerpoint/2015/main" val="1"/>
+                </p:ext>
+              </p:extLst>
+            </p:nvPr>
+          </p:nvSpPr>
+          <p:spPr>
+            <a:xfrm>
+              <a:off x="446534" y="457200"/>
+              <a:ext cx="3703320" cy="94997"/>
+            </a:xfrm>
+            <a:prstGeom prst="rect">
+              <a:avLst/>
+            </a:prstGeom>
+            <a:solidFill>
+              <a:schemeClr val="accent1"/>
+            </a:solidFill>
+            <a:ln>
+              <a:noFill/>
+            </a:ln>
+            <a:effectLst/>
+          </p:spPr>
+          <p:style>
+            <a:lnRef idx="1">
+              <a:schemeClr val="accent1"/>
+            </a:lnRef>
+            <a:fillRef idx="3">
+              <a:schemeClr val="accent1"/>
+            </a:fillRef>
+            <a:effectRef idx="2">
+              <a:schemeClr val="accent1"/>
+            </a:effectRef>
+            <a:fontRef idx="minor">
+              <a:schemeClr val="lt1"/>
+            </a:fontRef>
+          </p:style>
+        </p:sp>
+        <p:sp>
+          <p:nvSpPr>
+            <p:cNvPr id="16" name="Rectangle 15">
+              <a:extLst>
+                <a:ext uri="{FF2B5EF4-FFF2-40B4-BE49-F238E27FC236}">
+                  <a16:creationId xmlns:a16="http://schemas.microsoft.com/office/drawing/2014/main" id="{3F3972F4-FE7E-48EA-AAD8-9BE5750A6672}"/>
+                </a:ext>
+                <a:ext uri="{C183D7F6-B498-43B3-948B-1728B52AA6E4}">
+                  <adec:decorative xmlns="" xmlns:adec="http://schemas.microsoft.com/office/drawing/2017/decorative" val="1"/>
+                </a:ext>
+              </a:extLst>
+            </p:cNvPr>
+            <p:cNvSpPr/>
+            <p:nvPr>
+              <p:extLst>
+                <p:ext uri="{386F3935-93C4-4BCD-93E2-E3B085C9AB24}">
+                  <p16:designElem xmlns:p16="http://schemas.microsoft.com/office/powerpoint/2015/main" val="1"/>
+                </p:ext>
+              </p:extLst>
+            </p:nvPr>
+          </p:nvSpPr>
+          <p:spPr>
+            <a:xfrm>
+              <a:off x="8042147" y="453643"/>
+              <a:ext cx="3703320" cy="98554"/>
+            </a:xfrm>
+            <a:prstGeom prst="rect">
+              <a:avLst/>
+            </a:prstGeom>
+            <a:solidFill>
+              <a:schemeClr val="accent4"/>
+            </a:solidFill>
+            <a:ln>
+              <a:noFill/>
+            </a:ln>
+            <a:effectLst/>
+          </p:spPr>
+          <p:style>
+            <a:lnRef idx="1">
+              <a:schemeClr val="accent1"/>
+            </a:lnRef>
+            <a:fillRef idx="3">
+              <a:schemeClr val="accent1"/>
+            </a:fillRef>
+            <a:effectRef idx="2">
+              <a:schemeClr val="accent1"/>
+            </a:effectRef>
+            <a:fontRef idx="minor">
+              <a:schemeClr val="lt1"/>
+            </a:fontRef>
+          </p:style>
+        </p:sp>
+        <p:sp>
+          <p:nvSpPr>
+            <p:cNvPr id="17" name="Rectangle 16">
+              <a:extLst>
+                <a:ext uri="{FF2B5EF4-FFF2-40B4-BE49-F238E27FC236}">
+                  <a16:creationId xmlns:a16="http://schemas.microsoft.com/office/drawing/2014/main" id="{221614E5-870B-4D5E-A43B-8FF7E5323484}"/>
+                </a:ext>
+                <a:ext uri="{C183D7F6-B498-43B3-948B-1728B52AA6E4}">
+                  <adec:decorative xmlns="" xmlns:adec="http://schemas.microsoft.com/office/drawing/2017/decorative" val="1"/>
+                </a:ext>
+              </a:extLst>
+            </p:cNvPr>
+            <p:cNvSpPr/>
+            <p:nvPr>
+              <p:extLst>
+                <p:ext uri="{386F3935-93C4-4BCD-93E2-E3B085C9AB24}">
+                  <p16:designElem xmlns:p16="http://schemas.microsoft.com/office/powerpoint/2015/main" val="1"/>
+                </p:ext>
+              </p:extLst>
+            </p:nvPr>
+          </p:nvSpPr>
+          <p:spPr>
+            <a:xfrm>
+              <a:off x="4241830" y="457200"/>
+              <a:ext cx="3703320" cy="91440"/>
+            </a:xfrm>
+            <a:prstGeom prst="rect">
+              <a:avLst/>
+            </a:prstGeom>
+            <a:solidFill>
+              <a:schemeClr val="accent2"/>
+            </a:solidFill>
+            <a:ln>
+              <a:noFill/>
+            </a:ln>
+            <a:effectLst/>
+          </p:spPr>
+          <p:style>
+            <a:lnRef idx="1">
+              <a:schemeClr val="accent1"/>
+            </a:lnRef>
+            <a:fillRef idx="3">
+              <a:schemeClr val="accent1"/>
+            </a:fillRef>
+            <a:effectRef idx="2">
+              <a:schemeClr val="accent1"/>
+            </a:effectRef>
+            <a:fontRef idx="minor">
+              <a:schemeClr val="lt1"/>
+            </a:fontRef>
+          </p:style>
+        </p:sp>
+      </p:grpSp>
+    </p:spTree>
+    <p:extLst>
+      <p:ext uri="{BB962C8B-B14F-4D97-AF65-F5344CB8AC3E}">
+        <p14:creationId xmlns:p14="http://schemas.microsoft.com/office/powerpoint/2010/main" val="3501347425"/>
       </p:ext>
     </p:extLst>
   </p:cSld>
@@ -4444,11 +5048,7 @@
             </a:r>
             <a:r>
               <a:rPr lang="en-US" dirty="0" smtClean="0"/>
-              <a:t>rocessor</a:t>
-            </a:r>
-            <a:r>
-              <a:rPr lang="en-US" dirty="0" smtClean="0"/>
-              <a:t>: Implemented</a:t>
+              <a:t>rocessor: Implemented</a:t>
             </a:r>
           </a:p>
           <a:p>
@@ -4996,11 +5596,7 @@
           <a:p>
             <a:r>
               <a:rPr lang="en-US" dirty="0" smtClean="0"/>
-              <a:t>Input: </a:t>
-            </a:r>
-            <a:r>
-              <a:rPr lang="en-US" dirty="0" smtClean="0"/>
-              <a:t> </a:t>
+              <a:t>Input:  </a:t>
             </a:r>
           </a:p>
           <a:p>
@@ -5009,7 +5605,6 @@
               <a:rPr lang="en-US" dirty="0" smtClean="0"/>
               <a:t>Keyboard</a:t>
             </a:r>
-            <a:endParaRPr lang="en-US" dirty="0" smtClean="0"/>
           </a:p>
           <a:p>
             <a:pPr lvl="2"/>
@@ -5021,11 +5616,7 @@
           <a:p>
             <a:r>
               <a:rPr lang="en-US" dirty="0" smtClean="0"/>
-              <a:t>Output: </a:t>
-            </a:r>
-            <a:r>
-              <a:rPr lang="en-US" dirty="0" smtClean="0"/>
-              <a:t> </a:t>
+              <a:t>Output:  </a:t>
             </a:r>
           </a:p>
           <a:p>
@@ -5055,7 +5646,6 @@
               <a:rPr lang="en-US" dirty="0" smtClean="0"/>
               <a:t>Shows the current keyboard input</a:t>
             </a:r>
-            <a:endParaRPr lang="en-US" dirty="0" smtClean="0"/>
           </a:p>
           <a:p>
             <a:pPr lvl="1"/>
@@ -5063,7 +5653,6 @@
               <a:rPr lang="en-US" dirty="0" smtClean="0"/>
               <a:t>VGA</a:t>
             </a:r>
-            <a:endParaRPr lang="en-US" dirty="0" smtClean="0"/>
           </a:p>
           <a:p>
             <a:pPr lvl="2"/>
@@ -5096,6 +5685,159 @@
 </file>
 
 <file path=ppt/slides/slide5.xml><?xml version="1.0" encoding="utf-8"?>
+<p:sld xmlns:a="http://schemas.openxmlformats.org/drawingml/2006/main" xmlns:r="http://schemas.openxmlformats.org/officeDocument/2006/relationships" xmlns:p="http://schemas.openxmlformats.org/presentationml/2006/main">
+  <p:cSld>
+    <p:spTree>
+      <p:nvGrpSpPr>
+        <p:cNvPr id="1" name=""/>
+        <p:cNvGrpSpPr/>
+        <p:nvPr/>
+      </p:nvGrpSpPr>
+      <p:grpSpPr>
+        <a:xfrm>
+          <a:off x="0" y="0"/>
+          <a:ext cx="0" cy="0"/>
+          <a:chOff x="0" y="0"/>
+          <a:chExt cx="0" cy="0"/>
+        </a:xfrm>
+      </p:grpSpPr>
+      <p:sp>
+        <p:nvSpPr>
+          <p:cNvPr id="2" name="Title 1"/>
+          <p:cNvSpPr>
+            <a:spLocks noGrp="1"/>
+          </p:cNvSpPr>
+          <p:nvPr>
+            <p:ph type="title"/>
+          </p:nvPr>
+        </p:nvSpPr>
+        <p:spPr/>
+        <p:txBody>
+          <a:bodyPr/>
+          <a:lstStyle/>
+          <a:p>
+            <a:r>
+              <a:rPr lang="en-US" dirty="0" smtClean="0"/>
+              <a:t>Basic Instruction set</a:t>
+            </a:r>
+            <a:endParaRPr lang="en-US" dirty="0"/>
+          </a:p>
+        </p:txBody>
+      </p:sp>
+      <p:pic>
+        <p:nvPicPr>
+          <p:cNvPr id="5" name="Picture 4"/>
+          <p:cNvPicPr>
+            <a:picLocks noChangeAspect="1"/>
+          </p:cNvPicPr>
+          <p:nvPr/>
+        </p:nvPicPr>
+        <p:blipFill rotWithShape="1">
+          <a:blip r:embed="rId2"/>
+          <a:srcRect t="-3" r="-152" b="61667"/>
+          <a:stretch/>
+        </p:blipFill>
+        <p:spPr>
+          <a:xfrm>
+            <a:off x="859902" y="2484241"/>
+            <a:ext cx="10472198" cy="3316196"/>
+          </a:xfrm>
+          <a:prstGeom prst="rect">
+            <a:avLst/>
+          </a:prstGeom>
+        </p:spPr>
+      </p:pic>
+    </p:spTree>
+    <p:extLst>
+      <p:ext uri="{BB962C8B-B14F-4D97-AF65-F5344CB8AC3E}">
+        <p14:creationId xmlns:p14="http://schemas.microsoft.com/office/powerpoint/2010/main" val="2384201346"/>
+      </p:ext>
+    </p:extLst>
+  </p:cSld>
+  <p:clrMapOvr>
+    <a:masterClrMapping/>
+  </p:clrMapOvr>
+</p:sld>
+</file>
+
+<file path=ppt/slides/slide6.xml><?xml version="1.0" encoding="utf-8"?>
+<p:sld xmlns:a="http://schemas.openxmlformats.org/drawingml/2006/main" xmlns:r="http://schemas.openxmlformats.org/officeDocument/2006/relationships" xmlns:p="http://schemas.openxmlformats.org/presentationml/2006/main">
+  <p:cSld>
+    <p:spTree>
+      <p:nvGrpSpPr>
+        <p:cNvPr id="1" name=""/>
+        <p:cNvGrpSpPr/>
+        <p:nvPr/>
+      </p:nvGrpSpPr>
+      <p:grpSpPr>
+        <a:xfrm>
+          <a:off x="0" y="0"/>
+          <a:ext cx="0" cy="0"/>
+          <a:chOff x="0" y="0"/>
+          <a:chExt cx="0" cy="0"/>
+        </a:xfrm>
+      </p:grpSpPr>
+      <p:sp>
+        <p:nvSpPr>
+          <p:cNvPr id="2" name="Title 1"/>
+          <p:cNvSpPr>
+            <a:spLocks noGrp="1"/>
+          </p:cNvSpPr>
+          <p:nvPr>
+            <p:ph type="title"/>
+          </p:nvPr>
+        </p:nvSpPr>
+        <p:spPr/>
+        <p:txBody>
+          <a:bodyPr/>
+          <a:lstStyle/>
+          <a:p>
+            <a:r>
+              <a:rPr lang="en-US" dirty="0" smtClean="0"/>
+              <a:t>Basic Instruction set</a:t>
+            </a:r>
+            <a:endParaRPr lang="en-US" dirty="0"/>
+          </a:p>
+        </p:txBody>
+      </p:sp>
+      <p:pic>
+        <p:nvPicPr>
+          <p:cNvPr id="3" name="Picture 2"/>
+          <p:cNvPicPr>
+            <a:picLocks noChangeAspect="1"/>
+          </p:cNvPicPr>
+          <p:nvPr/>
+        </p:nvPicPr>
+        <p:blipFill>
+          <a:blip r:embed="rId2"/>
+          <a:stretch>
+            <a:fillRect/>
+          </a:stretch>
+        </p:blipFill>
+        <p:spPr>
+          <a:xfrm>
+            <a:off x="3523230" y="2051548"/>
+            <a:ext cx="5145542" cy="4697020"/>
+          </a:xfrm>
+          <a:prstGeom prst="rect">
+            <a:avLst/>
+          </a:prstGeom>
+        </p:spPr>
+      </p:pic>
+    </p:spTree>
+    <p:extLst>
+      <p:ext uri="{BB962C8B-B14F-4D97-AF65-F5344CB8AC3E}">
+        <p14:creationId xmlns:p14="http://schemas.microsoft.com/office/powerpoint/2010/main" val="3115937714"/>
+      </p:ext>
+    </p:extLst>
+  </p:cSld>
+  <p:clrMapOvr>
+    <a:masterClrMapping/>
+  </p:clrMapOvr>
+</p:sld>
+</file>
+
+<file path=ppt/slides/slide7.xml><?xml version="1.0" encoding="utf-8"?>
 <p:sld xmlns:a="http://schemas.openxmlformats.org/drawingml/2006/main" xmlns:r="http://schemas.openxmlformats.org/officeDocument/2006/relationships" xmlns:p="http://schemas.openxmlformats.org/presentationml/2006/main">
   <p:cSld>
     <p:spTree>
@@ -5198,7 +5940,7 @@
 </p:sld>
 </file>
 
-<file path=ppt/slides/slide6.xml><?xml version="1.0" encoding="utf-8"?>
+<file path=ppt/slides/slide8.xml><?xml version="1.0" encoding="utf-8"?>
 <p:sld xmlns:a="http://schemas.openxmlformats.org/drawingml/2006/main" xmlns:r="http://schemas.openxmlformats.org/officeDocument/2006/relationships" xmlns:p="http://schemas.openxmlformats.org/presentationml/2006/main">
   <p:cSld>
     <p:spTree>
@@ -5341,7 +6083,7 @@
 </p:sld>
 </file>
 
-<file path=ppt/slides/slide7.xml><?xml version="1.0" encoding="utf-8"?>
+<file path=ppt/slides/slide9.xml><?xml version="1.0" encoding="utf-8"?>
 <p:sld xmlns:a="http://schemas.openxmlformats.org/drawingml/2006/main" xmlns:r="http://schemas.openxmlformats.org/officeDocument/2006/relationships" xmlns:p="http://schemas.openxmlformats.org/presentationml/2006/main">
   <p:cSld>
     <p:spTree>
@@ -5423,23 +6165,31 @@
               <a:rPr lang="en-US" dirty="0" smtClean="0"/>
               <a:t>Interfacing successfully with the keyboard</a:t>
             </a:r>
-            <a:endParaRPr lang="en-US" dirty="0" smtClean="0"/>
           </a:p>
           <a:p>
             <a:r>
               <a:rPr lang="en-US" dirty="0" smtClean="0"/>
               <a:t>Debugging a real time application that uses waits</a:t>
             </a:r>
-            <a:endParaRPr lang="en-US" dirty="0" smtClean="0"/>
           </a:p>
           <a:p>
             <a:r>
               <a:rPr lang="en-US" dirty="0" smtClean="0"/>
-              <a:t>Differences between simulation and imple</a:t>
+              <a:t>Differences between simulation and </a:t>
             </a:r>
             <a:r>
               <a:rPr lang="en-US" dirty="0" smtClean="0"/>
-              <a:t>mentation</a:t>
+              <a:t>implementation</a:t>
+            </a:r>
+          </a:p>
+          <a:p>
+            <a:r>
+              <a:rPr lang="en-US" dirty="0" err="1" smtClean="0"/>
+              <a:t>Vivado</a:t>
+            </a:r>
+            <a:r>
+              <a:rPr lang="en-US" dirty="0" smtClean="0"/>
+              <a:t>???????</a:t>
             </a:r>
             <a:endParaRPr lang="en-US" dirty="0" smtClean="0"/>
           </a:p>
@@ -5521,608 +6271,6 @@
     <p:extLst>
       <p:ext uri="{BB962C8B-B14F-4D97-AF65-F5344CB8AC3E}">
         <p14:creationId xmlns:p14="http://schemas.microsoft.com/office/powerpoint/2010/main" val="3703687711"/>
-      </p:ext>
-    </p:extLst>
-  </p:cSld>
-  <p:clrMapOvr>
-    <a:masterClrMapping/>
-  </p:clrMapOvr>
-  <p:timing>
-    <p:tnLst>
-      <p:par>
-        <p:cTn id="1" dur="indefinite" restart="never" nodeType="tmRoot"/>
-      </p:par>
-    </p:tnLst>
-  </p:timing>
-</p:sld>
-</file>
-
-<file path=ppt/slides/slide8.xml><?xml version="1.0" encoding="utf-8"?>
-<p:sld xmlns:a="http://schemas.openxmlformats.org/drawingml/2006/main" xmlns:r="http://schemas.openxmlformats.org/officeDocument/2006/relationships" xmlns:p="http://schemas.openxmlformats.org/presentationml/2006/main">
-  <p:cSld>
-    <p:spTree>
-      <p:nvGrpSpPr>
-        <p:cNvPr id="1" name=""/>
-        <p:cNvGrpSpPr/>
-        <p:nvPr/>
-      </p:nvGrpSpPr>
-      <p:grpSpPr>
-        <a:xfrm>
-          <a:off x="0" y="0"/>
-          <a:ext cx="0" cy="0"/>
-          <a:chOff x="0" y="0"/>
-          <a:chExt cx="0" cy="0"/>
-        </a:xfrm>
-      </p:grpSpPr>
-      <p:sp>
-        <p:nvSpPr>
-          <p:cNvPr id="2" name="Title 1"/>
-          <p:cNvSpPr>
-            <a:spLocks noGrp="1"/>
-          </p:cNvSpPr>
-          <p:nvPr>
-            <p:ph type="title"/>
-          </p:nvPr>
-        </p:nvSpPr>
-        <p:spPr/>
-        <p:txBody>
-          <a:bodyPr/>
-          <a:lstStyle/>
-          <a:p>
-            <a:r>
-              <a:rPr lang="en-US" dirty="0" smtClean="0"/>
-              <a:t>Final thoughts</a:t>
-            </a:r>
-            <a:endParaRPr lang="en-US" dirty="0"/>
-          </a:p>
-        </p:txBody>
-      </p:sp>
-      <p:sp>
-        <p:nvSpPr>
-          <p:cNvPr id="3" name="Content Placeholder 2"/>
-          <p:cNvSpPr>
-            <a:spLocks noGrp="1"/>
-          </p:cNvSpPr>
-          <p:nvPr>
-            <p:ph sz="half" idx="1"/>
-          </p:nvPr>
-        </p:nvSpPr>
-        <p:spPr/>
-        <p:txBody>
-          <a:bodyPr/>
-          <a:lstStyle/>
-          <a:p>
-            <a:r>
-              <a:rPr lang="en-US" dirty="0" smtClean="0"/>
-              <a:t>Difficulty can be hard to gauge</a:t>
-            </a:r>
-          </a:p>
-          <a:p>
-            <a:r>
-              <a:rPr lang="en-US" dirty="0" smtClean="0"/>
-              <a:t>Design changes over time</a:t>
-            </a:r>
-          </a:p>
-          <a:p>
-            <a:r>
-              <a:rPr lang="en-US" dirty="0" smtClean="0"/>
-              <a:t>This project has been about the journey, not necessarily the destination</a:t>
-            </a:r>
-            <a:endParaRPr lang="en-US" dirty="0"/>
-          </a:p>
-        </p:txBody>
-      </p:sp>
-      <p:sp>
-        <p:nvSpPr>
-          <p:cNvPr id="4" name="Content Placeholder 3"/>
-          <p:cNvSpPr>
-            <a:spLocks noGrp="1"/>
-          </p:cNvSpPr>
-          <p:nvPr>
-            <p:ph sz="half" idx="2"/>
-          </p:nvPr>
-        </p:nvSpPr>
-        <p:spPr/>
-        <p:txBody>
-          <a:bodyPr/>
-          <a:lstStyle/>
-          <a:p>
-            <a:r>
-              <a:rPr lang="en-US" dirty="0"/>
-              <a:t>Pair programming is amazing</a:t>
-            </a:r>
-          </a:p>
-          <a:p>
-            <a:r>
-              <a:rPr lang="en-US" dirty="0" smtClean="0"/>
-              <a:t>Creating a working microprocessor is difficult</a:t>
-            </a:r>
-          </a:p>
-          <a:p>
-            <a:r>
-              <a:rPr lang="en-US" dirty="0" smtClean="0"/>
-              <a:t>It pays to seriously think about one’s compiler</a:t>
-            </a:r>
-            <a:endParaRPr lang="en-US" dirty="0"/>
-          </a:p>
-        </p:txBody>
-      </p:sp>
-    </p:spTree>
-    <p:extLst>
-      <p:ext uri="{BB962C8B-B14F-4D97-AF65-F5344CB8AC3E}">
-        <p14:creationId xmlns:p14="http://schemas.microsoft.com/office/powerpoint/2010/main" val="114640286"/>
-      </p:ext>
-    </p:extLst>
-  </p:cSld>
-  <p:clrMapOvr>
-    <a:masterClrMapping/>
-  </p:clrMapOvr>
-  <p:timing>
-    <p:tnLst>
-      <p:par>
-        <p:cTn id="1" dur="indefinite" restart="never" nodeType="tmRoot"/>
-      </p:par>
-    </p:tnLst>
-  </p:timing>
-</p:sld>
-</file>
-
-<file path=ppt/slides/slide9.xml><?xml version="1.0" encoding="utf-8"?>
-<p:sld xmlns:a="http://schemas.openxmlformats.org/drawingml/2006/main" xmlns:r="http://schemas.openxmlformats.org/officeDocument/2006/relationships" xmlns:p="http://schemas.openxmlformats.org/presentationml/2006/main">
-  <p:cSld>
-    <p:bg>
-      <p:bgPr>
-        <a:solidFill>
-          <a:schemeClr val="bg1"/>
-        </a:solidFill>
-        <a:effectLst/>
-      </p:bgPr>
-    </p:bg>
-    <p:spTree>
-      <p:nvGrpSpPr>
-        <p:cNvPr id="1" name=""/>
-        <p:cNvGrpSpPr/>
-        <p:nvPr/>
-      </p:nvGrpSpPr>
-      <p:grpSpPr>
-        <a:xfrm>
-          <a:off x="0" y="0"/>
-          <a:ext cx="0" cy="0"/>
-          <a:chOff x="0" y="0"/>
-          <a:chExt cx="0" cy="0"/>
-        </a:xfrm>
-      </p:grpSpPr>
-      <p:sp useBgFill="1">
-        <p:nvSpPr>
-          <p:cNvPr id="10" name="Rectangle 9">
-            <a:extLst>
-              <a:ext uri="{FF2B5EF4-FFF2-40B4-BE49-F238E27FC236}">
-                <a16:creationId xmlns:a16="http://schemas.microsoft.com/office/drawing/2014/main" id="{379F11E2-8BA5-4C5C-AE7C-361E5EA011FF}"/>
-              </a:ext>
-              <a:ext uri="{C183D7F6-B498-43B3-948B-1728B52AA6E4}">
-                <adec:decorative xmlns:adec="http://schemas.microsoft.com/office/drawing/2017/decorative" xmlns="" val="1"/>
-              </a:ext>
-            </a:extLst>
-          </p:cNvPr>
-          <p:cNvSpPr>
-            <a:spLocks noGrp="1" noRot="1" noChangeAspect="1" noMove="1" noResize="1" noEditPoints="1" noAdjustHandles="1" noChangeArrowheads="1" noChangeShapeType="1" noTextEdit="1"/>
-          </p:cNvSpPr>
-          <p:nvPr>
-            <p:extLst>
-              <p:ext uri="{386F3935-93C4-4BCD-93E2-E3B085C9AB24}">
-                <p16:designElem xmlns:p16="http://schemas.microsoft.com/office/powerpoint/2015/main" val="1"/>
-              </p:ext>
-            </p:extLst>
-          </p:nvPr>
-        </p:nvSpPr>
-        <p:spPr>
-          <a:xfrm>
-            <a:off x="0" y="1"/>
-            <a:ext cx="12191999" cy="6858000"/>
-          </a:xfrm>
-          <a:prstGeom prst="rect">
-            <a:avLst/>
-          </a:prstGeom>
-          <a:ln>
-            <a:noFill/>
-          </a:ln>
-        </p:spPr>
-        <p:style>
-          <a:lnRef idx="2">
-            <a:schemeClr val="accent1">
-              <a:shade val="50000"/>
-            </a:schemeClr>
-          </a:lnRef>
-          <a:fillRef idx="1">
-            <a:schemeClr val="accent1"/>
-          </a:fillRef>
-          <a:effectRef idx="0">
-            <a:schemeClr val="accent1"/>
-          </a:effectRef>
-          <a:fontRef idx="minor">
-            <a:schemeClr val="lt1"/>
-          </a:fontRef>
-        </p:style>
-        <p:txBody>
-          <a:bodyPr rtlCol="0" anchor="ctr"/>
-          <a:lstStyle/>
-          <a:p>
-            <a:pPr algn="ctr"/>
-            <a:endParaRPr lang="en-US"/>
-          </a:p>
-        </p:txBody>
-      </p:sp>
-      <p:pic>
-        <p:nvPicPr>
-          <p:cNvPr id="5" name="Picture 4" descr="Digital Numbers">
-            <a:extLst>
-              <a:ext uri="{FF2B5EF4-FFF2-40B4-BE49-F238E27FC236}">
-                <a16:creationId xmlns:a16="http://schemas.microsoft.com/office/drawing/2014/main" id="{A21EA617-6D48-425F-97A8-7FEC82C8F401}"/>
-              </a:ext>
-            </a:extLst>
-          </p:cNvPr>
-          <p:cNvPicPr>
-            <a:picLocks noChangeAspect="1"/>
-          </p:cNvPicPr>
-          <p:nvPr/>
-        </p:nvPicPr>
-        <p:blipFill rotWithShape="1">
-          <a:blip r:embed="rId2" cstate="screen">
-            <a:extLst>
-              <a:ext uri="{28A0092B-C50C-407E-A947-70E740481C1C}">
-                <a14:useLocalDpi xmlns:a14="http://schemas.microsoft.com/office/drawing/2010/main"/>
-              </a:ext>
-            </a:extLst>
-          </a:blip>
-          <a:srcRect l="2189" r="9642" b="1"/>
-          <a:stretch/>
-        </p:blipFill>
-        <p:spPr>
-          <a:xfrm>
-            <a:off x="446534" y="723899"/>
-            <a:ext cx="7498616" cy="5676901"/>
-          </a:xfrm>
-          <a:prstGeom prst="rect">
-            <a:avLst/>
-          </a:prstGeom>
-        </p:spPr>
-      </p:pic>
-      <p:sp>
-        <p:nvSpPr>
-          <p:cNvPr id="12" name="Rectangle 11">
-            <a:extLst>
-              <a:ext uri="{FF2B5EF4-FFF2-40B4-BE49-F238E27FC236}">
-                <a16:creationId xmlns:a16="http://schemas.microsoft.com/office/drawing/2014/main" id="{7C00E1DA-EC7C-40FC-95E3-11FDCD2E4291}"/>
-              </a:ext>
-              <a:ext uri="{C183D7F6-B498-43B3-948B-1728B52AA6E4}">
-                <adec:decorative xmlns:adec="http://schemas.microsoft.com/office/drawing/2017/decorative" xmlns="" val="1"/>
-              </a:ext>
-            </a:extLst>
-          </p:cNvPr>
-          <p:cNvSpPr>
-            <a:spLocks noGrp="1" noRot="1" noChangeAspect="1" noMove="1" noResize="1" noEditPoints="1" noAdjustHandles="1" noChangeArrowheads="1" noChangeShapeType="1" noTextEdit="1"/>
-          </p:cNvSpPr>
-          <p:nvPr>
-            <p:extLst>
-              <p:ext uri="{386F3935-93C4-4BCD-93E2-E3B085C9AB24}">
-                <p16:designElem xmlns:p16="http://schemas.microsoft.com/office/powerpoint/2015/main" val="1"/>
-              </p:ext>
-            </p:extLst>
-          </p:nvPr>
-        </p:nvSpPr>
-        <p:spPr>
-          <a:xfrm>
-            <a:off x="8042147" y="723899"/>
-            <a:ext cx="3703320" cy="5666666"/>
-          </a:xfrm>
-          <a:prstGeom prst="rect">
-            <a:avLst/>
-          </a:prstGeom>
-          <a:solidFill>
-            <a:schemeClr val="accent1"/>
-          </a:solidFill>
-          <a:ln>
-            <a:noFill/>
-          </a:ln>
-          <a:effectLst/>
-        </p:spPr>
-        <p:style>
-          <a:lnRef idx="1">
-            <a:schemeClr val="accent1"/>
-          </a:lnRef>
-          <a:fillRef idx="3">
-            <a:schemeClr val="accent1"/>
-          </a:fillRef>
-          <a:effectRef idx="2">
-            <a:schemeClr val="accent1"/>
-          </a:effectRef>
-          <a:fontRef idx="minor">
-            <a:schemeClr val="lt1"/>
-          </a:fontRef>
-        </p:style>
-      </p:sp>
-      <p:sp>
-        <p:nvSpPr>
-          <p:cNvPr id="2" name="Title 1">
-            <a:extLst>
-              <a:ext uri="{FF2B5EF4-FFF2-40B4-BE49-F238E27FC236}">
-                <a16:creationId xmlns:a16="http://schemas.microsoft.com/office/drawing/2014/main" id="{0F87E73C-2B1A-4602-BFBE-CFE1E55D9B38}"/>
-              </a:ext>
-            </a:extLst>
-          </p:cNvPr>
-          <p:cNvSpPr>
-            <a:spLocks noGrp="1"/>
-          </p:cNvSpPr>
-          <p:nvPr>
-            <p:ph type="ctrTitle"/>
-          </p:nvPr>
-        </p:nvSpPr>
-        <p:spPr>
-          <a:xfrm>
-            <a:off x="8296275" y="1419226"/>
-            <a:ext cx="3081576" cy="1746762"/>
-          </a:xfrm>
-        </p:spPr>
-        <p:txBody>
-          <a:bodyPr>
-            <a:normAutofit/>
-          </a:bodyPr>
-          <a:lstStyle/>
-          <a:p>
-            <a:r>
-              <a:rPr lang="en-US" dirty="0">
-                <a:solidFill>
-                  <a:srgbClr val="FFFFFF"/>
-                </a:solidFill>
-              </a:rPr>
-              <a:t>Thank You</a:t>
-            </a:r>
-          </a:p>
-        </p:txBody>
-      </p:sp>
-      <p:sp>
-        <p:nvSpPr>
-          <p:cNvPr id="3" name="Subtitle 2">
-            <a:extLst>
-              <a:ext uri="{FF2B5EF4-FFF2-40B4-BE49-F238E27FC236}">
-                <a16:creationId xmlns:a16="http://schemas.microsoft.com/office/drawing/2014/main" id="{A9CB511D-EA45-4336-847C-1252667143B5}"/>
-              </a:ext>
-            </a:extLst>
-          </p:cNvPr>
-          <p:cNvSpPr>
-            <a:spLocks noGrp="1"/>
-          </p:cNvSpPr>
-          <p:nvPr>
-            <p:ph type="subTitle" idx="1"/>
-          </p:nvPr>
-        </p:nvSpPr>
-        <p:spPr>
-          <a:xfrm>
-            <a:off x="8296275" y="3505095"/>
-            <a:ext cx="3081576" cy="2629006"/>
-          </a:xfrm>
-        </p:spPr>
-        <p:txBody>
-          <a:bodyPr>
-            <a:normAutofit/>
-          </a:bodyPr>
-          <a:lstStyle/>
-          <a:p>
-            <a:r>
-              <a:rPr lang="en-US" dirty="0" smtClean="0">
-                <a:solidFill>
-                  <a:schemeClr val="bg2"/>
-                </a:solidFill>
-              </a:rPr>
-              <a:t>&lt;chinchilla here&gt;</a:t>
-            </a:r>
-            <a:endParaRPr lang="en-US" dirty="0">
-              <a:solidFill>
-                <a:schemeClr val="bg2"/>
-              </a:solidFill>
-            </a:endParaRPr>
-          </a:p>
-          <a:p>
-            <a:endParaRPr lang="en-US" dirty="0">
-              <a:solidFill>
-                <a:schemeClr val="bg2"/>
-              </a:solidFill>
-            </a:endParaRPr>
-          </a:p>
-        </p:txBody>
-      </p:sp>
-      <p:grpSp>
-        <p:nvGrpSpPr>
-          <p:cNvPr id="14" name="Group 13">
-            <a:extLst>
-              <a:ext uri="{FF2B5EF4-FFF2-40B4-BE49-F238E27FC236}">
-                <a16:creationId xmlns:a16="http://schemas.microsoft.com/office/drawing/2014/main" id="{9A421166-2996-41A7-B094-AE5316F347DD}"/>
-              </a:ext>
-              <a:ext uri="{C183D7F6-B498-43B3-948B-1728B52AA6E4}">
-                <adec:decorative xmlns:adec="http://schemas.microsoft.com/office/drawing/2017/decorative" xmlns="" val="1"/>
-              </a:ext>
-            </a:extLst>
-          </p:cNvPr>
-          <p:cNvGrpSpPr>
-            <a:grpSpLocks noGrp="1" noUngrp="1" noRot="1" noChangeAspect="1" noMove="1" noResize="1"/>
-          </p:cNvGrpSpPr>
-          <p:nvPr>
-            <p:extLst>
-              <p:ext uri="{386F3935-93C4-4BCD-93E2-E3B085C9AB24}">
-                <p16:designElem xmlns:p16="http://schemas.microsoft.com/office/powerpoint/2015/main" val="1"/>
-              </p:ext>
-            </p:extLst>
-          </p:nvPr>
-        </p:nvGrpSpPr>
-        <p:grpSpPr>
-          <a:xfrm>
-            <a:off x="446534" y="453643"/>
-            <a:ext cx="11298933" cy="98554"/>
-            <a:chOff x="446534" y="453643"/>
-            <a:chExt cx="11298933" cy="98554"/>
-          </a:xfrm>
-        </p:grpSpPr>
-        <p:sp>
-          <p:nvSpPr>
-            <p:cNvPr id="15" name="Rectangle 14">
-              <a:extLst>
-                <a:ext uri="{FF2B5EF4-FFF2-40B4-BE49-F238E27FC236}">
-                  <a16:creationId xmlns:a16="http://schemas.microsoft.com/office/drawing/2014/main" id="{FDBB1B92-A3EB-43E4-8FAB-D20E8ED14CEF}"/>
-                </a:ext>
-                <a:ext uri="{C183D7F6-B498-43B3-948B-1728B52AA6E4}">
-                  <adec:decorative xmlns:adec="http://schemas.microsoft.com/office/drawing/2017/decorative" xmlns="" val="1"/>
-                </a:ext>
-              </a:extLst>
-            </p:cNvPr>
-            <p:cNvSpPr/>
-            <p:nvPr>
-              <p:extLst>
-                <p:ext uri="{386F3935-93C4-4BCD-93E2-E3B085C9AB24}">
-                  <p16:designElem xmlns:p16="http://schemas.microsoft.com/office/powerpoint/2015/main" val="1"/>
-                </p:ext>
-              </p:extLst>
-            </p:nvPr>
-          </p:nvSpPr>
-          <p:spPr>
-            <a:xfrm>
-              <a:off x="446534" y="457200"/>
-              <a:ext cx="3703320" cy="94997"/>
-            </a:xfrm>
-            <a:prstGeom prst="rect">
-              <a:avLst/>
-            </a:prstGeom>
-            <a:solidFill>
-              <a:schemeClr val="accent1"/>
-            </a:solidFill>
-            <a:ln>
-              <a:noFill/>
-            </a:ln>
-            <a:effectLst/>
-          </p:spPr>
-          <p:style>
-            <a:lnRef idx="1">
-              <a:schemeClr val="accent1"/>
-            </a:lnRef>
-            <a:fillRef idx="3">
-              <a:schemeClr val="accent1"/>
-            </a:fillRef>
-            <a:effectRef idx="2">
-              <a:schemeClr val="accent1"/>
-            </a:effectRef>
-            <a:fontRef idx="minor">
-              <a:schemeClr val="lt1"/>
-            </a:fontRef>
-          </p:style>
-        </p:sp>
-        <p:sp>
-          <p:nvSpPr>
-            <p:cNvPr id="16" name="Rectangle 15">
-              <a:extLst>
-                <a:ext uri="{FF2B5EF4-FFF2-40B4-BE49-F238E27FC236}">
-                  <a16:creationId xmlns:a16="http://schemas.microsoft.com/office/drawing/2014/main" id="{3F3972F4-FE7E-48EA-AAD8-9BE5750A6672}"/>
-                </a:ext>
-                <a:ext uri="{C183D7F6-B498-43B3-948B-1728B52AA6E4}">
-                  <adec:decorative xmlns:adec="http://schemas.microsoft.com/office/drawing/2017/decorative" xmlns="" val="1"/>
-                </a:ext>
-              </a:extLst>
-            </p:cNvPr>
-            <p:cNvSpPr/>
-            <p:nvPr>
-              <p:extLst>
-                <p:ext uri="{386F3935-93C4-4BCD-93E2-E3B085C9AB24}">
-                  <p16:designElem xmlns:p16="http://schemas.microsoft.com/office/powerpoint/2015/main" val="1"/>
-                </p:ext>
-              </p:extLst>
-            </p:nvPr>
-          </p:nvSpPr>
-          <p:spPr>
-            <a:xfrm>
-              <a:off x="8042147" y="453643"/>
-              <a:ext cx="3703320" cy="98554"/>
-            </a:xfrm>
-            <a:prstGeom prst="rect">
-              <a:avLst/>
-            </a:prstGeom>
-            <a:solidFill>
-              <a:schemeClr val="accent4"/>
-            </a:solidFill>
-            <a:ln>
-              <a:noFill/>
-            </a:ln>
-            <a:effectLst/>
-          </p:spPr>
-          <p:style>
-            <a:lnRef idx="1">
-              <a:schemeClr val="accent1"/>
-            </a:lnRef>
-            <a:fillRef idx="3">
-              <a:schemeClr val="accent1"/>
-            </a:fillRef>
-            <a:effectRef idx="2">
-              <a:schemeClr val="accent1"/>
-            </a:effectRef>
-            <a:fontRef idx="minor">
-              <a:schemeClr val="lt1"/>
-            </a:fontRef>
-          </p:style>
-        </p:sp>
-        <p:sp>
-          <p:nvSpPr>
-            <p:cNvPr id="17" name="Rectangle 16">
-              <a:extLst>
-                <a:ext uri="{FF2B5EF4-FFF2-40B4-BE49-F238E27FC236}">
-                  <a16:creationId xmlns:a16="http://schemas.microsoft.com/office/drawing/2014/main" id="{221614E5-870B-4D5E-A43B-8FF7E5323484}"/>
-                </a:ext>
-                <a:ext uri="{C183D7F6-B498-43B3-948B-1728B52AA6E4}">
-                  <adec:decorative xmlns:adec="http://schemas.microsoft.com/office/drawing/2017/decorative" xmlns="" val="1"/>
-                </a:ext>
-              </a:extLst>
-            </p:cNvPr>
-            <p:cNvSpPr/>
-            <p:nvPr>
-              <p:extLst>
-                <p:ext uri="{386F3935-93C4-4BCD-93E2-E3B085C9AB24}">
-                  <p16:designElem xmlns:p16="http://schemas.microsoft.com/office/powerpoint/2015/main" val="1"/>
-                </p:ext>
-              </p:extLst>
-            </p:nvPr>
-          </p:nvSpPr>
-          <p:spPr>
-            <a:xfrm>
-              <a:off x="4241830" y="457200"/>
-              <a:ext cx="3703320" cy="91440"/>
-            </a:xfrm>
-            <a:prstGeom prst="rect">
-              <a:avLst/>
-            </a:prstGeom>
-            <a:solidFill>
-              <a:schemeClr val="accent2"/>
-            </a:solidFill>
-            <a:ln>
-              <a:noFill/>
-            </a:ln>
-            <a:effectLst/>
-          </p:spPr>
-          <p:style>
-            <a:lnRef idx="1">
-              <a:schemeClr val="accent1"/>
-            </a:lnRef>
-            <a:fillRef idx="3">
-              <a:schemeClr val="accent1"/>
-            </a:fillRef>
-            <a:effectRef idx="2">
-              <a:schemeClr val="accent1"/>
-            </a:effectRef>
-            <a:fontRef idx="minor">
-              <a:schemeClr val="lt1"/>
-            </a:fontRef>
-          </p:style>
-        </p:sp>
-      </p:grpSp>
-    </p:spTree>
-    <p:extLst>
-      <p:ext uri="{BB962C8B-B14F-4D97-AF65-F5344CB8AC3E}">
-        <p14:creationId xmlns:p14="http://schemas.microsoft.com/office/powerpoint/2010/main" val="3501347425"/>
       </p:ext>
     </p:extLst>
   </p:cSld>
@@ -6409,6 +6557,14 @@
 </file>
 
 <file path=customXml/item1.xml><?xml version="1.0" encoding="utf-8"?>
+<p:properties xmlns:p="http://schemas.microsoft.com/office/2006/metadata/properties" xmlns:xsi="http://www.w3.org/2001/XMLSchema-instance" xmlns:pc="http://schemas.microsoft.com/office/infopath/2007/PartnerControls">
+  <documentManagement>
+    <MediaServiceKeyPoints xmlns="71af3243-3dd4-4a8d-8c0d-dd76da1f02a5" xsi:nil="true"/>
+  </documentManagement>
+</p:properties>
+</file>
+
+<file path=customXml/item2.xml><?xml version="1.0" encoding="utf-8"?>
 <ct:contentTypeSchema xmlns:ct="http://schemas.microsoft.com/office/2006/metadata/contentType" xmlns:ma="http://schemas.microsoft.com/office/2006/metadata/properties/metaAttributes" ct:_="" ma:_="" ma:contentTypeName="Document" ma:contentTypeID="0x01010079F111ED35F8CC479449609E8A0923A6" ma:contentTypeVersion="11" ma:contentTypeDescription="Create a new document." ma:contentTypeScope="" ma:versionID="1c2eb7a32e66fb6e4260f3771546a5e2">
   <xsd:schema xmlns:xsd="http://www.w3.org/2001/XMLSchema" xmlns:xs="http://www.w3.org/2001/XMLSchema" xmlns:p="http://schemas.microsoft.com/office/2006/metadata/properties" xmlns:ns2="71af3243-3dd4-4a8d-8c0d-dd76da1f02a5" xmlns:ns3="16c05727-aa75-4e4a-9b5f-8a80a1165891" targetNamespace="http://schemas.microsoft.com/office/2006/metadata/properties" ma:root="true" ma:fieldsID="04e1f6479c48b08974ba73b5ca973489" ns2:_="" ns3:_="">
     <xsd:import namespace="71af3243-3dd4-4a8d-8c0d-dd76da1f02a5"/>
@@ -6619,14 +6775,6 @@
 </ct:contentTypeSchema>
 </file>
 
-<file path=customXml/item2.xml><?xml version="1.0" encoding="utf-8"?>
-<p:properties xmlns:p="http://schemas.microsoft.com/office/2006/metadata/properties" xmlns:xsi="http://www.w3.org/2001/XMLSchema-instance" xmlns:pc="http://schemas.microsoft.com/office/infopath/2007/PartnerControls">
-  <documentManagement>
-    <MediaServiceKeyPoints xmlns="71af3243-3dd4-4a8d-8c0d-dd76da1f02a5" xsi:nil="true"/>
-  </documentManagement>
-</p:properties>
-</file>
-
 <file path=customXml/item3.xml><?xml version="1.0" encoding="utf-8"?>
 <?mso-contentType ?>
 <FormTemplates xmlns="http://schemas.microsoft.com/sharepoint/v3/contenttype/forms">
@@ -6637,6 +6785,16 @@
 </file>
 
 <file path=customXml/itemProps1.xml><?xml version="1.0" encoding="utf-8"?>
+<ds:datastoreItem xmlns:ds="http://schemas.openxmlformats.org/officeDocument/2006/customXml" ds:itemID="{CDEF96C5-3DBB-474D-9A68-6602A116B4D3}">
+  <ds:schemaRefs>
+    <ds:schemaRef ds:uri="http://schemas.microsoft.com/office/2006/metadata/properties"/>
+    <ds:schemaRef ds:uri="http://schemas.microsoft.com/office/infopath/2007/PartnerControls"/>
+    <ds:schemaRef ds:uri="71af3243-3dd4-4a8d-8c0d-dd76da1f02a5"/>
+  </ds:schemaRefs>
+</ds:datastoreItem>
+</file>
+
+<file path=customXml/itemProps2.xml><?xml version="1.0" encoding="utf-8"?>
 <ds:datastoreItem xmlns:ds="http://schemas.openxmlformats.org/officeDocument/2006/customXml" ds:itemID="{64ABC737-7714-4383-83AA-9E7E16CCB426}">
   <ds:schemaRefs>
     <ds:schemaRef ds:uri="http://schemas.microsoft.com/office/2006/metadata/contentType"/>
@@ -6655,16 +6813,6 @@
 </ds:datastoreItem>
 </file>
 
-<file path=customXml/itemProps2.xml><?xml version="1.0" encoding="utf-8"?>
-<ds:datastoreItem xmlns:ds="http://schemas.openxmlformats.org/officeDocument/2006/customXml" ds:itemID="{CDEF96C5-3DBB-474D-9A68-6602A116B4D3}">
-  <ds:schemaRefs>
-    <ds:schemaRef ds:uri="http://schemas.microsoft.com/office/2006/metadata/properties"/>
-    <ds:schemaRef ds:uri="http://schemas.microsoft.com/office/infopath/2007/PartnerControls"/>
-    <ds:schemaRef ds:uri="71af3243-3dd4-4a8d-8c0d-dd76da1f02a5"/>
-  </ds:schemaRefs>
-</ds:datastoreItem>
-</file>
-
 <file path=customXml/itemProps3.xml><?xml version="1.0" encoding="utf-8"?>
 <ds:datastoreItem xmlns:ds="http://schemas.openxmlformats.org/officeDocument/2006/customXml" ds:itemID="{E713E99F-A368-412C-B268-19FC7C8FD479}">
   <ds:schemaRefs>
